--- a/doc/ppt/第二阶段/11 nginx常用命令解析.pptx
+++ b/doc/ppt/第二阶段/11 nginx常用命令解析.pptx
@@ -6,6 +6,7 @@
   </p:sldMasterIdLst>
   <p:sldIdLst>
     <p:sldId id="256" r:id="rId2"/>
+    <p:sldId id="257" r:id="rId3"/>
   </p:sldIdLst>
   <p:sldSz cx="9144000" cy="6858000" type="screen4x3"/>
   <p:notesSz cx="6858000" cy="9144000"/>
@@ -305,7 +306,7 @@
             <a:fld id="{1D8BD707-D9CF-40AE-B4C6-C98DA3205C09}" type="datetimeFigureOut">
               <a:rPr lang="en-US" smtClean="0"/>
               <a:pPr/>
-              <a:t>11/4/2021</a:t>
+              <a:t>11/5/2021</a:t>
             </a:fld>
             <a:endParaRPr lang="en-US"/>
           </a:p>
@@ -472,7 +473,7 @@
             <a:fld id="{1D8BD707-D9CF-40AE-B4C6-C98DA3205C09}" type="datetimeFigureOut">
               <a:rPr lang="en-US" smtClean="0"/>
               <a:pPr/>
-              <a:t>11/4/2021</a:t>
+              <a:t>11/5/2021</a:t>
             </a:fld>
             <a:endParaRPr lang="en-US"/>
           </a:p>
@@ -649,7 +650,7 @@
             <a:fld id="{1D8BD707-D9CF-40AE-B4C6-C98DA3205C09}" type="datetimeFigureOut">
               <a:rPr lang="en-US" smtClean="0"/>
               <a:pPr/>
-              <a:t>11/4/2021</a:t>
+              <a:t>11/5/2021</a:t>
             </a:fld>
             <a:endParaRPr lang="en-US"/>
           </a:p>
@@ -816,7 +817,7 @@
             <a:fld id="{1D8BD707-D9CF-40AE-B4C6-C98DA3205C09}" type="datetimeFigureOut">
               <a:rPr lang="en-US" smtClean="0"/>
               <a:pPr/>
-              <a:t>11/4/2021</a:t>
+              <a:t>11/5/2021</a:t>
             </a:fld>
             <a:endParaRPr lang="en-US"/>
           </a:p>
@@ -1059,7 +1060,7 @@
             <a:fld id="{1D8BD707-D9CF-40AE-B4C6-C98DA3205C09}" type="datetimeFigureOut">
               <a:rPr lang="en-US" smtClean="0"/>
               <a:pPr/>
-              <a:t>11/4/2021</a:t>
+              <a:t>11/5/2021</a:t>
             </a:fld>
             <a:endParaRPr lang="en-US"/>
           </a:p>
@@ -1344,7 +1345,7 @@
             <a:fld id="{1D8BD707-D9CF-40AE-B4C6-C98DA3205C09}" type="datetimeFigureOut">
               <a:rPr lang="en-US" smtClean="0"/>
               <a:pPr/>
-              <a:t>11/4/2021</a:t>
+              <a:t>11/5/2021</a:t>
             </a:fld>
             <a:endParaRPr lang="en-US"/>
           </a:p>
@@ -1763,7 +1764,7 @@
             <a:fld id="{1D8BD707-D9CF-40AE-B4C6-C98DA3205C09}" type="datetimeFigureOut">
               <a:rPr lang="en-US" smtClean="0"/>
               <a:pPr/>
-              <a:t>11/4/2021</a:t>
+              <a:t>11/5/2021</a:t>
             </a:fld>
             <a:endParaRPr lang="en-US"/>
           </a:p>
@@ -1878,7 +1879,7 @@
             <a:fld id="{1D8BD707-D9CF-40AE-B4C6-C98DA3205C09}" type="datetimeFigureOut">
               <a:rPr lang="en-US" smtClean="0"/>
               <a:pPr/>
-              <a:t>11/4/2021</a:t>
+              <a:t>11/5/2021</a:t>
             </a:fld>
             <a:endParaRPr lang="en-US"/>
           </a:p>
@@ -1970,7 +1971,7 @@
             <a:fld id="{1D8BD707-D9CF-40AE-B4C6-C98DA3205C09}" type="datetimeFigureOut">
               <a:rPr lang="en-US" smtClean="0"/>
               <a:pPr/>
-              <a:t>11/4/2021</a:t>
+              <a:t>11/5/2021</a:t>
             </a:fld>
             <a:endParaRPr lang="en-US"/>
           </a:p>
@@ -2244,7 +2245,7 @@
             <a:fld id="{1D8BD707-D9CF-40AE-B4C6-C98DA3205C09}" type="datetimeFigureOut">
               <a:rPr lang="en-US" smtClean="0"/>
               <a:pPr/>
-              <a:t>11/4/2021</a:t>
+              <a:t>11/5/2021</a:t>
             </a:fld>
             <a:endParaRPr lang="en-US"/>
           </a:p>
@@ -2494,7 +2495,7 @@
             <a:fld id="{1D8BD707-D9CF-40AE-B4C6-C98DA3205C09}" type="datetimeFigureOut">
               <a:rPr lang="en-US" smtClean="0"/>
               <a:pPr/>
-              <a:t>11/4/2021</a:t>
+              <a:t>11/5/2021</a:t>
             </a:fld>
             <a:endParaRPr lang="en-US"/>
           </a:p>
@@ -2704,7 +2705,7 @@
             <a:fld id="{1D8BD707-D9CF-40AE-B4C6-C98DA3205C09}" type="datetimeFigureOut">
               <a:rPr lang="en-US" smtClean="0"/>
               <a:pPr/>
-              <a:t>11/4/2021</a:t>
+              <a:t>11/5/2021</a:t>
             </a:fld>
             <a:endParaRPr lang="en-US"/>
           </a:p>
@@ -3084,7 +3085,7 @@
         <p:spPr>
           <a:xfrm>
             <a:off x="1752600" y="1600200"/>
-            <a:ext cx="5506636" cy="3693319"/>
+            <a:ext cx="6713697" cy="3693319"/>
           </a:xfrm>
           <a:prstGeom prst="rect">
             <a:avLst/>
@@ -3228,16 +3229,24 @@
               <a:t>Nginx –c </a:t>
             </a:r>
             <a:r>
+              <a:rPr lang="zh-CN" altLang="en-US" dirty="0"/>
+              <a:t> </a:t>
+            </a:r>
+            <a:r>
               <a:rPr lang="zh-CN" altLang="en-US" dirty="0" smtClean="0"/>
-              <a:t>指定</a:t>
+              <a:t>以指定的核心配置文件启动</a:t>
             </a:r>
             <a:r>
               <a:rPr lang="en-US" altLang="zh-CN" dirty="0" err="1" smtClean="0"/>
               <a:t>nginx</a:t>
             </a:r>
             <a:r>
+              <a:rPr lang="zh-CN" altLang="en-US" smtClean="0"/>
+              <a:t>服务，</a:t>
+            </a:r>
+            <a:r>
               <a:rPr lang="zh-CN" altLang="en-US" dirty="0" smtClean="0"/>
-              <a:t>的核心配置文件，默认是</a:t>
+              <a:t>默认是</a:t>
             </a:r>
             <a:r>
               <a:rPr lang="en-US" altLang="zh-CN" dirty="0" err="1" smtClean="0"/>
@@ -3270,6 +3279,147 @@
         </p:txBody>
       </p:sp>
     </p:spTree>
+  </p:cSld>
+  <p:clrMapOvr>
+    <a:masterClrMapping/>
+  </p:clrMapOvr>
+</p:sld>
+</file>
+
+<file path=ppt/slides/slide2.xml><?xml version="1.0" encoding="utf-8"?>
+<p:sld xmlns:a="http://schemas.openxmlformats.org/drawingml/2006/main" xmlns:r="http://schemas.openxmlformats.org/officeDocument/2006/relationships" xmlns:p="http://schemas.openxmlformats.org/presentationml/2006/main">
+  <p:cSld>
+    <p:spTree>
+      <p:nvGrpSpPr>
+        <p:cNvPr id="1" name=""/>
+        <p:cNvGrpSpPr/>
+        <p:nvPr/>
+      </p:nvGrpSpPr>
+      <p:grpSpPr>
+        <a:xfrm>
+          <a:off x="0" y="0"/>
+          <a:ext cx="0" cy="0"/>
+          <a:chOff x="0" y="0"/>
+          <a:chExt cx="0" cy="0"/>
+        </a:xfrm>
+      </p:grpSpPr>
+      <p:grpSp>
+        <p:nvGrpSpPr>
+          <p:cNvPr id="9" name="组合 8"/>
+          <p:cNvGrpSpPr/>
+          <p:nvPr/>
+        </p:nvGrpSpPr>
+        <p:grpSpPr>
+          <a:xfrm>
+            <a:off x="762000" y="762000"/>
+            <a:ext cx="7658100" cy="4643437"/>
+            <a:chOff x="762000" y="762000"/>
+            <a:chExt cx="7658100" cy="4643437"/>
+          </a:xfrm>
+        </p:grpSpPr>
+        <p:pic>
+          <p:nvPicPr>
+            <p:cNvPr id="3" name="图片 2"/>
+            <p:cNvPicPr>
+              <a:picLocks noChangeAspect="1"/>
+            </p:cNvPicPr>
+            <p:nvPr/>
+          </p:nvPicPr>
+          <p:blipFill>
+            <a:blip r:embed="rId2"/>
+            <a:stretch>
+              <a:fillRect/>
+            </a:stretch>
+          </p:blipFill>
+          <p:spPr>
+            <a:xfrm>
+              <a:off x="762000" y="762000"/>
+              <a:ext cx="2543175" cy="2181225"/>
+            </a:xfrm>
+            <a:prstGeom prst="rect">
+              <a:avLst/>
+            </a:prstGeom>
+          </p:spPr>
+        </p:pic>
+        <p:pic>
+          <p:nvPicPr>
+            <p:cNvPr id="6" name="图片 5"/>
+            <p:cNvPicPr>
+              <a:picLocks noChangeAspect="1"/>
+            </p:cNvPicPr>
+            <p:nvPr/>
+          </p:nvPicPr>
+          <p:blipFill>
+            <a:blip r:embed="rId3"/>
+            <a:stretch>
+              <a:fillRect/>
+            </a:stretch>
+          </p:blipFill>
+          <p:spPr>
+            <a:xfrm>
+              <a:off x="1447800" y="4038600"/>
+              <a:ext cx="2428875" cy="1009650"/>
+            </a:xfrm>
+            <a:prstGeom prst="rect">
+              <a:avLst/>
+            </a:prstGeom>
+          </p:spPr>
+        </p:pic>
+        <p:pic>
+          <p:nvPicPr>
+            <p:cNvPr id="7" name="图片 6"/>
+            <p:cNvPicPr>
+              <a:picLocks noChangeAspect="1"/>
+            </p:cNvPicPr>
+            <p:nvPr/>
+          </p:nvPicPr>
+          <p:blipFill>
+            <a:blip r:embed="rId4"/>
+            <a:stretch>
+              <a:fillRect/>
+            </a:stretch>
+          </p:blipFill>
+          <p:spPr>
+            <a:xfrm>
+              <a:off x="5334000" y="3681412"/>
+              <a:ext cx="3086100" cy="1724025"/>
+            </a:xfrm>
+            <a:prstGeom prst="rect">
+              <a:avLst/>
+            </a:prstGeom>
+          </p:spPr>
+        </p:pic>
+        <p:pic>
+          <p:nvPicPr>
+            <p:cNvPr id="8" name="图片 7"/>
+            <p:cNvPicPr>
+              <a:picLocks noChangeAspect="1"/>
+            </p:cNvPicPr>
+            <p:nvPr/>
+          </p:nvPicPr>
+          <p:blipFill>
+            <a:blip r:embed="rId5"/>
+            <a:stretch>
+              <a:fillRect/>
+            </a:stretch>
+          </p:blipFill>
+          <p:spPr>
+            <a:xfrm>
+              <a:off x="3825875" y="1738312"/>
+              <a:ext cx="2838450" cy="1943100"/>
+            </a:xfrm>
+            <a:prstGeom prst="rect">
+              <a:avLst/>
+            </a:prstGeom>
+          </p:spPr>
+        </p:pic>
+      </p:grpSp>
+    </p:spTree>
+    <p:extLst>
+      <p:ext uri="{BB962C8B-B14F-4D97-AF65-F5344CB8AC3E}">
+        <p14:creationId xmlns:p14="http://schemas.microsoft.com/office/powerpoint/2010/main" val="1551830078"/>
+      </p:ext>
+    </p:extLst>
   </p:cSld>
   <p:clrMapOvr>
     <a:masterClrMapping/>
